--- a/ppt 16-9/1328.感恩歌.pptx
+++ b/ppt 16-9/1328.感恩歌.pptx
@@ -129,7 +129,7 @@
           <p:cNvPr id="2" name="标题 1">
             <a:extLst>
               <a:ext uri="{FF2B5EF4-FFF2-40B4-BE49-F238E27FC236}">
-                <a16:creationId xmlns:a16="http://schemas.microsoft.com/office/drawing/2014/main" id="{64EC5B9E-B494-48E6-46AF-595126DFF3B5}"/>
+                <a16:creationId xmlns:a16="http://schemas.microsoft.com/office/drawing/2014/main" id="{8A827036-D29F-01FE-C4B6-B0E73C4B804E}"/>
               </a:ext>
             </a:extLst>
           </p:cNvPr>
@@ -166,7 +166,7 @@
           <p:cNvPr id="3" name="副标题 2">
             <a:extLst>
               <a:ext uri="{FF2B5EF4-FFF2-40B4-BE49-F238E27FC236}">
-                <a16:creationId xmlns:a16="http://schemas.microsoft.com/office/drawing/2014/main" id="{A6165C70-37D6-5B63-DEB1-B964769AF503}"/>
+                <a16:creationId xmlns:a16="http://schemas.microsoft.com/office/drawing/2014/main" id="{80ABC1F9-BBF3-3801-AB22-7CFF45CE0C4B}"/>
               </a:ext>
             </a:extLst>
           </p:cNvPr>
@@ -236,7 +236,7 @@
           <p:cNvPr id="4" name="日期占位符 3">
             <a:extLst>
               <a:ext uri="{FF2B5EF4-FFF2-40B4-BE49-F238E27FC236}">
-                <a16:creationId xmlns:a16="http://schemas.microsoft.com/office/drawing/2014/main" id="{8D2C4140-9491-274E-1C47-1F291D678EEE}"/>
+                <a16:creationId xmlns:a16="http://schemas.microsoft.com/office/drawing/2014/main" id="{4A9DD1C5-D743-B059-6518-4A2BB82DA1F8}"/>
               </a:ext>
             </a:extLst>
           </p:cNvPr>
@@ -252,7 +252,7 @@
           <a:bodyPr/>
           <a:lstStyle/>
           <a:p>
-            <a:fld id="{F01C4EE1-D6CA-4E2D-8C94-A9040FF4B415}" type="datetimeFigureOut">
+            <a:fld id="{C47F984B-1641-43F3-8365-65C4F17F2848}" type="datetimeFigureOut">
               <a:rPr lang="zh-CN" altLang="en-US" smtClean="0"/>
               <a:t>2024/3/10</a:t>
             </a:fld>
@@ -265,7 +265,7 @@
           <p:cNvPr id="5" name="页脚占位符 4">
             <a:extLst>
               <a:ext uri="{FF2B5EF4-FFF2-40B4-BE49-F238E27FC236}">
-                <a16:creationId xmlns:a16="http://schemas.microsoft.com/office/drawing/2014/main" id="{6088A2D3-23E6-FC91-C847-1389539C7442}"/>
+                <a16:creationId xmlns:a16="http://schemas.microsoft.com/office/drawing/2014/main" id="{A9421598-6269-6974-C78F-9C34F2A3FE80}"/>
               </a:ext>
             </a:extLst>
           </p:cNvPr>
@@ -290,7 +290,7 @@
           <p:cNvPr id="6" name="灯片编号占位符 5">
             <a:extLst>
               <a:ext uri="{FF2B5EF4-FFF2-40B4-BE49-F238E27FC236}">
-                <a16:creationId xmlns:a16="http://schemas.microsoft.com/office/drawing/2014/main" id="{D87B634B-F081-711E-E436-50ED1BF7A504}"/>
+                <a16:creationId xmlns:a16="http://schemas.microsoft.com/office/drawing/2014/main" id="{282A2941-B200-FCF4-9B6E-EF3B02F95E02}"/>
               </a:ext>
             </a:extLst>
           </p:cNvPr>
@@ -306,7 +306,7 @@
           <a:bodyPr/>
           <a:lstStyle/>
           <a:p>
-            <a:fld id="{F51A4617-34F4-4473-859B-D07B2824D324}" type="slidenum">
+            <a:fld id="{93123B01-9435-4ECD-B20C-F8A01C9A761F}" type="slidenum">
               <a:rPr lang="zh-CN" altLang="en-US" smtClean="0"/>
               <a:t>‹#›</a:t>
             </a:fld>
@@ -317,7 +317,7 @@
     </p:spTree>
     <p:extLst>
       <p:ext uri="{BB962C8B-B14F-4D97-AF65-F5344CB8AC3E}">
-        <p14:creationId xmlns:p14="http://schemas.microsoft.com/office/powerpoint/2010/main" val="1532220061"/>
+        <p14:creationId xmlns:p14="http://schemas.microsoft.com/office/powerpoint/2010/main" val="3085926787"/>
       </p:ext>
     </p:extLst>
   </p:cSld>
@@ -349,7 +349,7 @@
           <p:cNvPr id="2" name="标题 1">
             <a:extLst>
               <a:ext uri="{FF2B5EF4-FFF2-40B4-BE49-F238E27FC236}">
-                <a16:creationId xmlns:a16="http://schemas.microsoft.com/office/drawing/2014/main" id="{DFCD4F97-F29E-0590-9BAA-C1F650A6E172}"/>
+                <a16:creationId xmlns:a16="http://schemas.microsoft.com/office/drawing/2014/main" id="{DE7A2496-134A-CD14-1B67-28B910B37DD3}"/>
               </a:ext>
             </a:extLst>
           </p:cNvPr>
@@ -377,7 +377,7 @@
           <p:cNvPr id="3" name="竖排文字占位符 2">
             <a:extLst>
               <a:ext uri="{FF2B5EF4-FFF2-40B4-BE49-F238E27FC236}">
-                <a16:creationId xmlns:a16="http://schemas.microsoft.com/office/drawing/2014/main" id="{C18C2A9E-506C-08D0-151D-F41F05F0A7EB}"/>
+                <a16:creationId xmlns:a16="http://schemas.microsoft.com/office/drawing/2014/main" id="{797CE6C8-B833-1410-501B-B74F4734D3E3}"/>
               </a:ext>
             </a:extLst>
           </p:cNvPr>
@@ -434,7 +434,7 @@
           <p:cNvPr id="4" name="日期占位符 3">
             <a:extLst>
               <a:ext uri="{FF2B5EF4-FFF2-40B4-BE49-F238E27FC236}">
-                <a16:creationId xmlns:a16="http://schemas.microsoft.com/office/drawing/2014/main" id="{01EB6C0B-BD29-8B50-01D0-A6F2EA001982}"/>
+                <a16:creationId xmlns:a16="http://schemas.microsoft.com/office/drawing/2014/main" id="{C807A948-4461-CA80-0D5C-670BE650F838}"/>
               </a:ext>
             </a:extLst>
           </p:cNvPr>
@@ -450,7 +450,7 @@
           <a:bodyPr/>
           <a:lstStyle/>
           <a:p>
-            <a:fld id="{F01C4EE1-D6CA-4E2D-8C94-A9040FF4B415}" type="datetimeFigureOut">
+            <a:fld id="{C47F984B-1641-43F3-8365-65C4F17F2848}" type="datetimeFigureOut">
               <a:rPr lang="zh-CN" altLang="en-US" smtClean="0"/>
               <a:t>2024/3/10</a:t>
             </a:fld>
@@ -463,7 +463,7 @@
           <p:cNvPr id="5" name="页脚占位符 4">
             <a:extLst>
               <a:ext uri="{FF2B5EF4-FFF2-40B4-BE49-F238E27FC236}">
-                <a16:creationId xmlns:a16="http://schemas.microsoft.com/office/drawing/2014/main" id="{EB088CE8-5DFF-ACEE-D63D-2D55913264F9}"/>
+                <a16:creationId xmlns:a16="http://schemas.microsoft.com/office/drawing/2014/main" id="{9F3699E5-BEE2-E775-9D59-5D2431CAA9E2}"/>
               </a:ext>
             </a:extLst>
           </p:cNvPr>
@@ -488,7 +488,7 @@
           <p:cNvPr id="6" name="灯片编号占位符 5">
             <a:extLst>
               <a:ext uri="{FF2B5EF4-FFF2-40B4-BE49-F238E27FC236}">
-                <a16:creationId xmlns:a16="http://schemas.microsoft.com/office/drawing/2014/main" id="{3E73372E-7CFB-82A6-8F25-54A25ABD1B3D}"/>
+                <a16:creationId xmlns:a16="http://schemas.microsoft.com/office/drawing/2014/main" id="{95D00B37-DF1F-5433-073E-9C688F2E6B9A}"/>
               </a:ext>
             </a:extLst>
           </p:cNvPr>
@@ -504,7 +504,7 @@
           <a:bodyPr/>
           <a:lstStyle/>
           <a:p>
-            <a:fld id="{F51A4617-34F4-4473-859B-D07B2824D324}" type="slidenum">
+            <a:fld id="{93123B01-9435-4ECD-B20C-F8A01C9A761F}" type="slidenum">
               <a:rPr lang="zh-CN" altLang="en-US" smtClean="0"/>
               <a:t>‹#›</a:t>
             </a:fld>
@@ -515,7 +515,7 @@
     </p:spTree>
     <p:extLst>
       <p:ext uri="{BB962C8B-B14F-4D97-AF65-F5344CB8AC3E}">
-        <p14:creationId xmlns:p14="http://schemas.microsoft.com/office/powerpoint/2010/main" val="3834115570"/>
+        <p14:creationId xmlns:p14="http://schemas.microsoft.com/office/powerpoint/2010/main" val="2331556594"/>
       </p:ext>
     </p:extLst>
   </p:cSld>
@@ -547,7 +547,7 @@
           <p:cNvPr id="2" name="竖排标题 1">
             <a:extLst>
               <a:ext uri="{FF2B5EF4-FFF2-40B4-BE49-F238E27FC236}">
-                <a16:creationId xmlns:a16="http://schemas.microsoft.com/office/drawing/2014/main" id="{82BBE709-8F06-84DA-7E50-FC45D733CB09}"/>
+                <a16:creationId xmlns:a16="http://schemas.microsoft.com/office/drawing/2014/main" id="{D69B7FBF-A570-8B51-0E2B-7F43B6152AB8}"/>
               </a:ext>
             </a:extLst>
           </p:cNvPr>
@@ -580,7 +580,7 @@
           <p:cNvPr id="3" name="竖排文字占位符 2">
             <a:extLst>
               <a:ext uri="{FF2B5EF4-FFF2-40B4-BE49-F238E27FC236}">
-                <a16:creationId xmlns:a16="http://schemas.microsoft.com/office/drawing/2014/main" id="{D9117DEB-A535-F26F-87F1-376B96F38E27}"/>
+                <a16:creationId xmlns:a16="http://schemas.microsoft.com/office/drawing/2014/main" id="{FA380CFF-2D05-6F71-6BA0-4C8877F2F980}"/>
               </a:ext>
             </a:extLst>
           </p:cNvPr>
@@ -642,7 +642,7 @@
           <p:cNvPr id="4" name="日期占位符 3">
             <a:extLst>
               <a:ext uri="{FF2B5EF4-FFF2-40B4-BE49-F238E27FC236}">
-                <a16:creationId xmlns:a16="http://schemas.microsoft.com/office/drawing/2014/main" id="{FAFBA624-6974-BB9C-8320-D9FE6934AA2D}"/>
+                <a16:creationId xmlns:a16="http://schemas.microsoft.com/office/drawing/2014/main" id="{F87FBB01-F55A-9318-AA20-6CBF228A22C3}"/>
               </a:ext>
             </a:extLst>
           </p:cNvPr>
@@ -658,7 +658,7 @@
           <a:bodyPr/>
           <a:lstStyle/>
           <a:p>
-            <a:fld id="{F01C4EE1-D6CA-4E2D-8C94-A9040FF4B415}" type="datetimeFigureOut">
+            <a:fld id="{C47F984B-1641-43F3-8365-65C4F17F2848}" type="datetimeFigureOut">
               <a:rPr lang="zh-CN" altLang="en-US" smtClean="0"/>
               <a:t>2024/3/10</a:t>
             </a:fld>
@@ -671,7 +671,7 @@
           <p:cNvPr id="5" name="页脚占位符 4">
             <a:extLst>
               <a:ext uri="{FF2B5EF4-FFF2-40B4-BE49-F238E27FC236}">
-                <a16:creationId xmlns:a16="http://schemas.microsoft.com/office/drawing/2014/main" id="{ED7350B3-6E41-43D3-6372-5BF8C02E6970}"/>
+                <a16:creationId xmlns:a16="http://schemas.microsoft.com/office/drawing/2014/main" id="{7C3C48B4-3EA4-40E3-2BF1-931A43B934CF}"/>
               </a:ext>
             </a:extLst>
           </p:cNvPr>
@@ -696,7 +696,7 @@
           <p:cNvPr id="6" name="灯片编号占位符 5">
             <a:extLst>
               <a:ext uri="{FF2B5EF4-FFF2-40B4-BE49-F238E27FC236}">
-                <a16:creationId xmlns:a16="http://schemas.microsoft.com/office/drawing/2014/main" id="{C94CF683-210E-A6B8-365F-8AC250AA0158}"/>
+                <a16:creationId xmlns:a16="http://schemas.microsoft.com/office/drawing/2014/main" id="{86B08D83-109E-F932-9A87-812BC5AA9472}"/>
               </a:ext>
             </a:extLst>
           </p:cNvPr>
@@ -712,7 +712,7 @@
           <a:bodyPr/>
           <a:lstStyle/>
           <a:p>
-            <a:fld id="{F51A4617-34F4-4473-859B-D07B2824D324}" type="slidenum">
+            <a:fld id="{93123B01-9435-4ECD-B20C-F8A01C9A761F}" type="slidenum">
               <a:rPr lang="zh-CN" altLang="en-US" smtClean="0"/>
               <a:t>‹#›</a:t>
             </a:fld>
@@ -723,7 +723,7 @@
     </p:spTree>
     <p:extLst>
       <p:ext uri="{BB962C8B-B14F-4D97-AF65-F5344CB8AC3E}">
-        <p14:creationId xmlns:p14="http://schemas.microsoft.com/office/powerpoint/2010/main" val="1445448367"/>
+        <p14:creationId xmlns:p14="http://schemas.microsoft.com/office/powerpoint/2010/main" val="3217588112"/>
       </p:ext>
     </p:extLst>
   </p:cSld>
@@ -755,7 +755,7 @@
           <p:cNvPr id="2" name="标题 1">
             <a:extLst>
               <a:ext uri="{FF2B5EF4-FFF2-40B4-BE49-F238E27FC236}">
-                <a16:creationId xmlns:a16="http://schemas.microsoft.com/office/drawing/2014/main" id="{89F98474-56D9-7361-B5FF-1EA475C18F2A}"/>
+                <a16:creationId xmlns:a16="http://schemas.microsoft.com/office/drawing/2014/main" id="{61B81CB9-3724-A377-E0A7-DF58823B2790}"/>
               </a:ext>
             </a:extLst>
           </p:cNvPr>
@@ -783,7 +783,7 @@
           <p:cNvPr id="3" name="内容占位符 2">
             <a:extLst>
               <a:ext uri="{FF2B5EF4-FFF2-40B4-BE49-F238E27FC236}">
-                <a16:creationId xmlns:a16="http://schemas.microsoft.com/office/drawing/2014/main" id="{117BD6DD-21F6-2D2D-2569-B36206215C91}"/>
+                <a16:creationId xmlns:a16="http://schemas.microsoft.com/office/drawing/2014/main" id="{66D1DB8C-74F2-4520-7393-B3B368B9A68A}"/>
               </a:ext>
             </a:extLst>
           </p:cNvPr>
@@ -840,7 +840,7 @@
           <p:cNvPr id="4" name="日期占位符 3">
             <a:extLst>
               <a:ext uri="{FF2B5EF4-FFF2-40B4-BE49-F238E27FC236}">
-                <a16:creationId xmlns:a16="http://schemas.microsoft.com/office/drawing/2014/main" id="{C783EE55-BD96-EC24-2601-7C74BCC78D1F}"/>
+                <a16:creationId xmlns:a16="http://schemas.microsoft.com/office/drawing/2014/main" id="{A33F23E9-CC84-3556-3DAC-6D2238D95502}"/>
               </a:ext>
             </a:extLst>
           </p:cNvPr>
@@ -856,7 +856,7 @@
           <a:bodyPr/>
           <a:lstStyle/>
           <a:p>
-            <a:fld id="{F01C4EE1-D6CA-4E2D-8C94-A9040FF4B415}" type="datetimeFigureOut">
+            <a:fld id="{C47F984B-1641-43F3-8365-65C4F17F2848}" type="datetimeFigureOut">
               <a:rPr lang="zh-CN" altLang="en-US" smtClean="0"/>
               <a:t>2024/3/10</a:t>
             </a:fld>
@@ -869,7 +869,7 @@
           <p:cNvPr id="5" name="页脚占位符 4">
             <a:extLst>
               <a:ext uri="{FF2B5EF4-FFF2-40B4-BE49-F238E27FC236}">
-                <a16:creationId xmlns:a16="http://schemas.microsoft.com/office/drawing/2014/main" id="{13F6C8B4-68BE-1823-C221-46A6A0238E02}"/>
+                <a16:creationId xmlns:a16="http://schemas.microsoft.com/office/drawing/2014/main" id="{C0780849-8F15-70CC-B681-AD19F8452CAF}"/>
               </a:ext>
             </a:extLst>
           </p:cNvPr>
@@ -894,7 +894,7 @@
           <p:cNvPr id="6" name="灯片编号占位符 5">
             <a:extLst>
               <a:ext uri="{FF2B5EF4-FFF2-40B4-BE49-F238E27FC236}">
-                <a16:creationId xmlns:a16="http://schemas.microsoft.com/office/drawing/2014/main" id="{F77FCAFF-DE3F-A9A2-E4E8-357E88057DF6}"/>
+                <a16:creationId xmlns:a16="http://schemas.microsoft.com/office/drawing/2014/main" id="{44FF7897-B3B2-D53C-39B6-E854A70D8714}"/>
               </a:ext>
             </a:extLst>
           </p:cNvPr>
@@ -910,7 +910,7 @@
           <a:bodyPr/>
           <a:lstStyle/>
           <a:p>
-            <a:fld id="{F51A4617-34F4-4473-859B-D07B2824D324}" type="slidenum">
+            <a:fld id="{93123B01-9435-4ECD-B20C-F8A01C9A761F}" type="slidenum">
               <a:rPr lang="zh-CN" altLang="en-US" smtClean="0"/>
               <a:t>‹#›</a:t>
             </a:fld>
@@ -921,7 +921,7 @@
     </p:spTree>
     <p:extLst>
       <p:ext uri="{BB962C8B-B14F-4D97-AF65-F5344CB8AC3E}">
-        <p14:creationId xmlns:p14="http://schemas.microsoft.com/office/powerpoint/2010/main" val="2664189585"/>
+        <p14:creationId xmlns:p14="http://schemas.microsoft.com/office/powerpoint/2010/main" val="1111379857"/>
       </p:ext>
     </p:extLst>
   </p:cSld>
@@ -953,7 +953,7 @@
           <p:cNvPr id="2" name="标题 1">
             <a:extLst>
               <a:ext uri="{FF2B5EF4-FFF2-40B4-BE49-F238E27FC236}">
-                <a16:creationId xmlns:a16="http://schemas.microsoft.com/office/drawing/2014/main" id="{57C538D3-8E0E-0897-DF31-893037F14E15}"/>
+                <a16:creationId xmlns:a16="http://schemas.microsoft.com/office/drawing/2014/main" id="{20394675-68D4-B157-0037-92EEB28642C0}"/>
               </a:ext>
             </a:extLst>
           </p:cNvPr>
@@ -990,7 +990,7 @@
           <p:cNvPr id="3" name="文本占位符 2">
             <a:extLst>
               <a:ext uri="{FF2B5EF4-FFF2-40B4-BE49-F238E27FC236}">
-                <a16:creationId xmlns:a16="http://schemas.microsoft.com/office/drawing/2014/main" id="{1B3767DA-1A53-E241-E386-0E74E22FD7ED}"/>
+                <a16:creationId xmlns:a16="http://schemas.microsoft.com/office/drawing/2014/main" id="{6D0EBEB0-3752-F226-0207-558BF32D6587}"/>
               </a:ext>
             </a:extLst>
           </p:cNvPr>
@@ -1115,7 +1115,7 @@
           <p:cNvPr id="4" name="日期占位符 3">
             <a:extLst>
               <a:ext uri="{FF2B5EF4-FFF2-40B4-BE49-F238E27FC236}">
-                <a16:creationId xmlns:a16="http://schemas.microsoft.com/office/drawing/2014/main" id="{AE38EEDD-90F7-A05B-34A2-BAB504194B49}"/>
+                <a16:creationId xmlns:a16="http://schemas.microsoft.com/office/drawing/2014/main" id="{5E22AA53-40DF-E97F-DE9F-8D659F9F1802}"/>
               </a:ext>
             </a:extLst>
           </p:cNvPr>
@@ -1131,7 +1131,7 @@
           <a:bodyPr/>
           <a:lstStyle/>
           <a:p>
-            <a:fld id="{F01C4EE1-D6CA-4E2D-8C94-A9040FF4B415}" type="datetimeFigureOut">
+            <a:fld id="{C47F984B-1641-43F3-8365-65C4F17F2848}" type="datetimeFigureOut">
               <a:rPr lang="zh-CN" altLang="en-US" smtClean="0"/>
               <a:t>2024/3/10</a:t>
             </a:fld>
@@ -1144,7 +1144,7 @@
           <p:cNvPr id="5" name="页脚占位符 4">
             <a:extLst>
               <a:ext uri="{FF2B5EF4-FFF2-40B4-BE49-F238E27FC236}">
-                <a16:creationId xmlns:a16="http://schemas.microsoft.com/office/drawing/2014/main" id="{53D3DC00-AC6E-F711-10E1-F163586A0229}"/>
+                <a16:creationId xmlns:a16="http://schemas.microsoft.com/office/drawing/2014/main" id="{F94EE30C-C5F9-D8E0-591A-2E82AAB78751}"/>
               </a:ext>
             </a:extLst>
           </p:cNvPr>
@@ -1169,7 +1169,7 @@
           <p:cNvPr id="6" name="灯片编号占位符 5">
             <a:extLst>
               <a:ext uri="{FF2B5EF4-FFF2-40B4-BE49-F238E27FC236}">
-                <a16:creationId xmlns:a16="http://schemas.microsoft.com/office/drawing/2014/main" id="{3A65C335-4473-CE7F-9F78-6974A2654A46}"/>
+                <a16:creationId xmlns:a16="http://schemas.microsoft.com/office/drawing/2014/main" id="{072E1209-8B12-09C4-73E7-9D0230F0B9FA}"/>
               </a:ext>
             </a:extLst>
           </p:cNvPr>
@@ -1185,7 +1185,7 @@
           <a:bodyPr/>
           <a:lstStyle/>
           <a:p>
-            <a:fld id="{F51A4617-34F4-4473-859B-D07B2824D324}" type="slidenum">
+            <a:fld id="{93123B01-9435-4ECD-B20C-F8A01C9A761F}" type="slidenum">
               <a:rPr lang="zh-CN" altLang="en-US" smtClean="0"/>
               <a:t>‹#›</a:t>
             </a:fld>
@@ -1196,7 +1196,7 @@
     </p:spTree>
     <p:extLst>
       <p:ext uri="{BB962C8B-B14F-4D97-AF65-F5344CB8AC3E}">
-        <p14:creationId xmlns:p14="http://schemas.microsoft.com/office/powerpoint/2010/main" val="82917099"/>
+        <p14:creationId xmlns:p14="http://schemas.microsoft.com/office/powerpoint/2010/main" val="152877637"/>
       </p:ext>
     </p:extLst>
   </p:cSld>
@@ -1228,7 +1228,7 @@
           <p:cNvPr id="2" name="标题 1">
             <a:extLst>
               <a:ext uri="{FF2B5EF4-FFF2-40B4-BE49-F238E27FC236}">
-                <a16:creationId xmlns:a16="http://schemas.microsoft.com/office/drawing/2014/main" id="{8CA5645F-B2C6-9851-1525-DBB8FA4B0650}"/>
+                <a16:creationId xmlns:a16="http://schemas.microsoft.com/office/drawing/2014/main" id="{1A782086-FF4E-A172-8C62-E3695EE40E78}"/>
               </a:ext>
             </a:extLst>
           </p:cNvPr>
@@ -1256,7 +1256,7 @@
           <p:cNvPr id="3" name="内容占位符 2">
             <a:extLst>
               <a:ext uri="{FF2B5EF4-FFF2-40B4-BE49-F238E27FC236}">
-                <a16:creationId xmlns:a16="http://schemas.microsoft.com/office/drawing/2014/main" id="{A55CC753-09E7-9B72-7457-7BD4DEE84793}"/>
+                <a16:creationId xmlns:a16="http://schemas.microsoft.com/office/drawing/2014/main" id="{E94CA57E-E94C-C760-07FF-8FC44A4CCD49}"/>
               </a:ext>
             </a:extLst>
           </p:cNvPr>
@@ -1318,7 +1318,7 @@
           <p:cNvPr id="4" name="内容占位符 3">
             <a:extLst>
               <a:ext uri="{FF2B5EF4-FFF2-40B4-BE49-F238E27FC236}">
-                <a16:creationId xmlns:a16="http://schemas.microsoft.com/office/drawing/2014/main" id="{8D143D32-0BBF-0DF9-316F-266F4B66FF85}"/>
+                <a16:creationId xmlns:a16="http://schemas.microsoft.com/office/drawing/2014/main" id="{7A349D8D-EA3C-9B77-3DFF-AFB00BD12A4A}"/>
               </a:ext>
             </a:extLst>
           </p:cNvPr>
@@ -1380,7 +1380,7 @@
           <p:cNvPr id="5" name="日期占位符 4">
             <a:extLst>
               <a:ext uri="{FF2B5EF4-FFF2-40B4-BE49-F238E27FC236}">
-                <a16:creationId xmlns:a16="http://schemas.microsoft.com/office/drawing/2014/main" id="{B31F8998-1C3D-0453-F24A-D4D5BF7B1764}"/>
+                <a16:creationId xmlns:a16="http://schemas.microsoft.com/office/drawing/2014/main" id="{7309533F-A486-A3CE-753A-8BB409F6D6B5}"/>
               </a:ext>
             </a:extLst>
           </p:cNvPr>
@@ -1396,7 +1396,7 @@
           <a:bodyPr/>
           <a:lstStyle/>
           <a:p>
-            <a:fld id="{F01C4EE1-D6CA-4E2D-8C94-A9040FF4B415}" type="datetimeFigureOut">
+            <a:fld id="{C47F984B-1641-43F3-8365-65C4F17F2848}" type="datetimeFigureOut">
               <a:rPr lang="zh-CN" altLang="en-US" smtClean="0"/>
               <a:t>2024/3/10</a:t>
             </a:fld>
@@ -1409,7 +1409,7 @@
           <p:cNvPr id="6" name="页脚占位符 5">
             <a:extLst>
               <a:ext uri="{FF2B5EF4-FFF2-40B4-BE49-F238E27FC236}">
-                <a16:creationId xmlns:a16="http://schemas.microsoft.com/office/drawing/2014/main" id="{01784937-C6A6-7321-4CEC-00C10A7B2E38}"/>
+                <a16:creationId xmlns:a16="http://schemas.microsoft.com/office/drawing/2014/main" id="{4E50347E-FEA4-20E2-2034-5D7BDDE21C55}"/>
               </a:ext>
             </a:extLst>
           </p:cNvPr>
@@ -1434,7 +1434,7 @@
           <p:cNvPr id="7" name="灯片编号占位符 6">
             <a:extLst>
               <a:ext uri="{FF2B5EF4-FFF2-40B4-BE49-F238E27FC236}">
-                <a16:creationId xmlns:a16="http://schemas.microsoft.com/office/drawing/2014/main" id="{94F99CFC-3688-A31E-13C3-7194C2FE09A6}"/>
+                <a16:creationId xmlns:a16="http://schemas.microsoft.com/office/drawing/2014/main" id="{5B85440C-4A0C-E276-082A-64B55DE6B5D9}"/>
               </a:ext>
             </a:extLst>
           </p:cNvPr>
@@ -1450,7 +1450,7 @@
           <a:bodyPr/>
           <a:lstStyle/>
           <a:p>
-            <a:fld id="{F51A4617-34F4-4473-859B-D07B2824D324}" type="slidenum">
+            <a:fld id="{93123B01-9435-4ECD-B20C-F8A01C9A761F}" type="slidenum">
               <a:rPr lang="zh-CN" altLang="en-US" smtClean="0"/>
               <a:t>‹#›</a:t>
             </a:fld>
@@ -1461,7 +1461,7 @@
     </p:spTree>
     <p:extLst>
       <p:ext uri="{BB962C8B-B14F-4D97-AF65-F5344CB8AC3E}">
-        <p14:creationId xmlns:p14="http://schemas.microsoft.com/office/powerpoint/2010/main" val="419774664"/>
+        <p14:creationId xmlns:p14="http://schemas.microsoft.com/office/powerpoint/2010/main" val="3675254292"/>
       </p:ext>
     </p:extLst>
   </p:cSld>
@@ -1493,7 +1493,7 @@
           <p:cNvPr id="2" name="标题 1">
             <a:extLst>
               <a:ext uri="{FF2B5EF4-FFF2-40B4-BE49-F238E27FC236}">
-                <a16:creationId xmlns:a16="http://schemas.microsoft.com/office/drawing/2014/main" id="{B069E113-DC96-03C2-7CD7-351E1265123E}"/>
+                <a16:creationId xmlns:a16="http://schemas.microsoft.com/office/drawing/2014/main" id="{01CCE85D-5BF6-BE44-429B-270DEC351AAB}"/>
               </a:ext>
             </a:extLst>
           </p:cNvPr>
@@ -1526,7 +1526,7 @@
           <p:cNvPr id="3" name="文本占位符 2">
             <a:extLst>
               <a:ext uri="{FF2B5EF4-FFF2-40B4-BE49-F238E27FC236}">
-                <a16:creationId xmlns:a16="http://schemas.microsoft.com/office/drawing/2014/main" id="{EC218DD6-BD34-5455-0BCB-0D4F29C4C2F3}"/>
+                <a16:creationId xmlns:a16="http://schemas.microsoft.com/office/drawing/2014/main" id="{BB7100DF-FC8D-9A46-F1BE-7B22B77759A1}"/>
               </a:ext>
             </a:extLst>
           </p:cNvPr>
@@ -1597,7 +1597,7 @@
           <p:cNvPr id="4" name="内容占位符 3">
             <a:extLst>
               <a:ext uri="{FF2B5EF4-FFF2-40B4-BE49-F238E27FC236}">
-                <a16:creationId xmlns:a16="http://schemas.microsoft.com/office/drawing/2014/main" id="{AB484BA8-B636-3450-1247-B6BB10695E24}"/>
+                <a16:creationId xmlns:a16="http://schemas.microsoft.com/office/drawing/2014/main" id="{299C0465-9B10-EEEE-088E-A21A7B5C44E7}"/>
               </a:ext>
             </a:extLst>
           </p:cNvPr>
@@ -1659,7 +1659,7 @@
           <p:cNvPr id="5" name="文本占位符 4">
             <a:extLst>
               <a:ext uri="{FF2B5EF4-FFF2-40B4-BE49-F238E27FC236}">
-                <a16:creationId xmlns:a16="http://schemas.microsoft.com/office/drawing/2014/main" id="{F2BC3FB5-78D3-2CE1-FF13-443F802C24CE}"/>
+                <a16:creationId xmlns:a16="http://schemas.microsoft.com/office/drawing/2014/main" id="{56ED8871-7114-4031-6783-0A48BC0BAD25}"/>
               </a:ext>
             </a:extLst>
           </p:cNvPr>
@@ -1730,7 +1730,7 @@
           <p:cNvPr id="6" name="内容占位符 5">
             <a:extLst>
               <a:ext uri="{FF2B5EF4-FFF2-40B4-BE49-F238E27FC236}">
-                <a16:creationId xmlns:a16="http://schemas.microsoft.com/office/drawing/2014/main" id="{3E0816D1-FB12-A09A-6359-D21973121B8B}"/>
+                <a16:creationId xmlns:a16="http://schemas.microsoft.com/office/drawing/2014/main" id="{9E191161-67F5-B9C8-E43A-BA59A5215D24}"/>
               </a:ext>
             </a:extLst>
           </p:cNvPr>
@@ -1792,7 +1792,7 @@
           <p:cNvPr id="7" name="日期占位符 6">
             <a:extLst>
               <a:ext uri="{FF2B5EF4-FFF2-40B4-BE49-F238E27FC236}">
-                <a16:creationId xmlns:a16="http://schemas.microsoft.com/office/drawing/2014/main" id="{154D63A7-ECE9-01DB-BCBA-6FA8435815F1}"/>
+                <a16:creationId xmlns:a16="http://schemas.microsoft.com/office/drawing/2014/main" id="{78567645-8852-BBAB-7761-2ACB12BB59B6}"/>
               </a:ext>
             </a:extLst>
           </p:cNvPr>
@@ -1808,7 +1808,7 @@
           <a:bodyPr/>
           <a:lstStyle/>
           <a:p>
-            <a:fld id="{F01C4EE1-D6CA-4E2D-8C94-A9040FF4B415}" type="datetimeFigureOut">
+            <a:fld id="{C47F984B-1641-43F3-8365-65C4F17F2848}" type="datetimeFigureOut">
               <a:rPr lang="zh-CN" altLang="en-US" smtClean="0"/>
               <a:t>2024/3/10</a:t>
             </a:fld>
@@ -1821,7 +1821,7 @@
           <p:cNvPr id="8" name="页脚占位符 7">
             <a:extLst>
               <a:ext uri="{FF2B5EF4-FFF2-40B4-BE49-F238E27FC236}">
-                <a16:creationId xmlns:a16="http://schemas.microsoft.com/office/drawing/2014/main" id="{4D0EA0DF-5CC8-F3DC-349A-6E0049A9DD3B}"/>
+                <a16:creationId xmlns:a16="http://schemas.microsoft.com/office/drawing/2014/main" id="{5BADF8F8-A59F-E737-5F62-57EEF8EF4CD7}"/>
               </a:ext>
             </a:extLst>
           </p:cNvPr>
@@ -1846,7 +1846,7 @@
           <p:cNvPr id="9" name="灯片编号占位符 8">
             <a:extLst>
               <a:ext uri="{FF2B5EF4-FFF2-40B4-BE49-F238E27FC236}">
-                <a16:creationId xmlns:a16="http://schemas.microsoft.com/office/drawing/2014/main" id="{E57DD113-5197-4264-BEC3-6876CFACF6E0}"/>
+                <a16:creationId xmlns:a16="http://schemas.microsoft.com/office/drawing/2014/main" id="{0AD16F44-71EF-DDBA-5930-3AFDE9CF8E07}"/>
               </a:ext>
             </a:extLst>
           </p:cNvPr>
@@ -1862,7 +1862,7 @@
           <a:bodyPr/>
           <a:lstStyle/>
           <a:p>
-            <a:fld id="{F51A4617-34F4-4473-859B-D07B2824D324}" type="slidenum">
+            <a:fld id="{93123B01-9435-4ECD-B20C-F8A01C9A761F}" type="slidenum">
               <a:rPr lang="zh-CN" altLang="en-US" smtClean="0"/>
               <a:t>‹#›</a:t>
             </a:fld>
@@ -1873,7 +1873,7 @@
     </p:spTree>
     <p:extLst>
       <p:ext uri="{BB962C8B-B14F-4D97-AF65-F5344CB8AC3E}">
-        <p14:creationId xmlns:p14="http://schemas.microsoft.com/office/powerpoint/2010/main" val="1514822889"/>
+        <p14:creationId xmlns:p14="http://schemas.microsoft.com/office/powerpoint/2010/main" val="127239616"/>
       </p:ext>
     </p:extLst>
   </p:cSld>
@@ -1905,7 +1905,7 @@
           <p:cNvPr id="2" name="标题 1">
             <a:extLst>
               <a:ext uri="{FF2B5EF4-FFF2-40B4-BE49-F238E27FC236}">
-                <a16:creationId xmlns:a16="http://schemas.microsoft.com/office/drawing/2014/main" id="{45830EEC-0C1B-0471-DCBD-FA0763DEBAFB}"/>
+                <a16:creationId xmlns:a16="http://schemas.microsoft.com/office/drawing/2014/main" id="{99E0208D-1B4D-2FBD-9F9C-835593E22240}"/>
               </a:ext>
             </a:extLst>
           </p:cNvPr>
@@ -1933,7 +1933,7 @@
           <p:cNvPr id="3" name="日期占位符 2">
             <a:extLst>
               <a:ext uri="{FF2B5EF4-FFF2-40B4-BE49-F238E27FC236}">
-                <a16:creationId xmlns:a16="http://schemas.microsoft.com/office/drawing/2014/main" id="{52BAAAAF-C04D-4B57-B9AE-21CB04370365}"/>
+                <a16:creationId xmlns:a16="http://schemas.microsoft.com/office/drawing/2014/main" id="{1FE415C7-ED5A-B5B9-DA06-9B6F705AC9FC}"/>
               </a:ext>
             </a:extLst>
           </p:cNvPr>
@@ -1949,7 +1949,7 @@
           <a:bodyPr/>
           <a:lstStyle/>
           <a:p>
-            <a:fld id="{F01C4EE1-D6CA-4E2D-8C94-A9040FF4B415}" type="datetimeFigureOut">
+            <a:fld id="{C47F984B-1641-43F3-8365-65C4F17F2848}" type="datetimeFigureOut">
               <a:rPr lang="zh-CN" altLang="en-US" smtClean="0"/>
               <a:t>2024/3/10</a:t>
             </a:fld>
@@ -1962,7 +1962,7 @@
           <p:cNvPr id="4" name="页脚占位符 3">
             <a:extLst>
               <a:ext uri="{FF2B5EF4-FFF2-40B4-BE49-F238E27FC236}">
-                <a16:creationId xmlns:a16="http://schemas.microsoft.com/office/drawing/2014/main" id="{6C12A1A4-0E6D-99D6-67C3-641E0A0251C7}"/>
+                <a16:creationId xmlns:a16="http://schemas.microsoft.com/office/drawing/2014/main" id="{4AEA533A-E3AF-123B-BFB2-EC7BB902FBDE}"/>
               </a:ext>
             </a:extLst>
           </p:cNvPr>
@@ -1987,7 +1987,7 @@
           <p:cNvPr id="5" name="灯片编号占位符 4">
             <a:extLst>
               <a:ext uri="{FF2B5EF4-FFF2-40B4-BE49-F238E27FC236}">
-                <a16:creationId xmlns:a16="http://schemas.microsoft.com/office/drawing/2014/main" id="{005147D1-7511-6B93-F41D-3DAD93197E64}"/>
+                <a16:creationId xmlns:a16="http://schemas.microsoft.com/office/drawing/2014/main" id="{0F97A8C5-2D1E-BEB8-7FAC-8E7F97F00DEC}"/>
               </a:ext>
             </a:extLst>
           </p:cNvPr>
@@ -2003,7 +2003,7 @@
           <a:bodyPr/>
           <a:lstStyle/>
           <a:p>
-            <a:fld id="{F51A4617-34F4-4473-859B-D07B2824D324}" type="slidenum">
+            <a:fld id="{93123B01-9435-4ECD-B20C-F8A01C9A761F}" type="slidenum">
               <a:rPr lang="zh-CN" altLang="en-US" smtClean="0"/>
               <a:t>‹#›</a:t>
             </a:fld>
@@ -2014,7 +2014,7 @@
     </p:spTree>
     <p:extLst>
       <p:ext uri="{BB962C8B-B14F-4D97-AF65-F5344CB8AC3E}">
-        <p14:creationId xmlns:p14="http://schemas.microsoft.com/office/powerpoint/2010/main" val="4287299436"/>
+        <p14:creationId xmlns:p14="http://schemas.microsoft.com/office/powerpoint/2010/main" val="3311141018"/>
       </p:ext>
     </p:extLst>
   </p:cSld>
@@ -2046,7 +2046,7 @@
           <p:cNvPr id="2" name="日期占位符 1">
             <a:extLst>
               <a:ext uri="{FF2B5EF4-FFF2-40B4-BE49-F238E27FC236}">
-                <a16:creationId xmlns:a16="http://schemas.microsoft.com/office/drawing/2014/main" id="{7B65F0A1-F417-70F2-94FD-FFF90F06D1D3}"/>
+                <a16:creationId xmlns:a16="http://schemas.microsoft.com/office/drawing/2014/main" id="{4B2F2505-3283-E19D-0300-98841021668E}"/>
               </a:ext>
             </a:extLst>
           </p:cNvPr>
@@ -2062,7 +2062,7 @@
           <a:bodyPr/>
           <a:lstStyle/>
           <a:p>
-            <a:fld id="{F01C4EE1-D6CA-4E2D-8C94-A9040FF4B415}" type="datetimeFigureOut">
+            <a:fld id="{C47F984B-1641-43F3-8365-65C4F17F2848}" type="datetimeFigureOut">
               <a:rPr lang="zh-CN" altLang="en-US" smtClean="0"/>
               <a:t>2024/3/10</a:t>
             </a:fld>
@@ -2075,7 +2075,7 @@
           <p:cNvPr id="3" name="页脚占位符 2">
             <a:extLst>
               <a:ext uri="{FF2B5EF4-FFF2-40B4-BE49-F238E27FC236}">
-                <a16:creationId xmlns:a16="http://schemas.microsoft.com/office/drawing/2014/main" id="{BE137605-7188-6220-8FCA-D8A37F24DA8F}"/>
+                <a16:creationId xmlns:a16="http://schemas.microsoft.com/office/drawing/2014/main" id="{2A005BDD-28A5-1E87-0BF1-370EF867E801}"/>
               </a:ext>
             </a:extLst>
           </p:cNvPr>
@@ -2100,7 +2100,7 @@
           <p:cNvPr id="4" name="灯片编号占位符 3">
             <a:extLst>
               <a:ext uri="{FF2B5EF4-FFF2-40B4-BE49-F238E27FC236}">
-                <a16:creationId xmlns:a16="http://schemas.microsoft.com/office/drawing/2014/main" id="{69664E75-9D7F-3548-7E41-1B1B01855D54}"/>
+                <a16:creationId xmlns:a16="http://schemas.microsoft.com/office/drawing/2014/main" id="{20F2B97C-8E27-3082-9B0F-7AB50687CD34}"/>
               </a:ext>
             </a:extLst>
           </p:cNvPr>
@@ -2116,7 +2116,7 @@
           <a:bodyPr/>
           <a:lstStyle/>
           <a:p>
-            <a:fld id="{F51A4617-34F4-4473-859B-D07B2824D324}" type="slidenum">
+            <a:fld id="{93123B01-9435-4ECD-B20C-F8A01C9A761F}" type="slidenum">
               <a:rPr lang="zh-CN" altLang="en-US" smtClean="0"/>
               <a:t>‹#›</a:t>
             </a:fld>
@@ -2127,7 +2127,7 @@
     </p:spTree>
     <p:extLst>
       <p:ext uri="{BB962C8B-B14F-4D97-AF65-F5344CB8AC3E}">
-        <p14:creationId xmlns:p14="http://schemas.microsoft.com/office/powerpoint/2010/main" val="1597625993"/>
+        <p14:creationId xmlns:p14="http://schemas.microsoft.com/office/powerpoint/2010/main" val="1181116986"/>
       </p:ext>
     </p:extLst>
   </p:cSld>
@@ -2159,7 +2159,7 @@
           <p:cNvPr id="2" name="标题 1">
             <a:extLst>
               <a:ext uri="{FF2B5EF4-FFF2-40B4-BE49-F238E27FC236}">
-                <a16:creationId xmlns:a16="http://schemas.microsoft.com/office/drawing/2014/main" id="{5CDDF7E5-F5E9-86E4-A11B-3E0FAD6895BE}"/>
+                <a16:creationId xmlns:a16="http://schemas.microsoft.com/office/drawing/2014/main" id="{5880AC40-ACA4-A6D2-1642-97C8DA224547}"/>
               </a:ext>
             </a:extLst>
           </p:cNvPr>
@@ -2196,7 +2196,7 @@
           <p:cNvPr id="3" name="内容占位符 2">
             <a:extLst>
               <a:ext uri="{FF2B5EF4-FFF2-40B4-BE49-F238E27FC236}">
-                <a16:creationId xmlns:a16="http://schemas.microsoft.com/office/drawing/2014/main" id="{158DB79B-11A5-D72C-1C55-ADDBBE8F2C3D}"/>
+                <a16:creationId xmlns:a16="http://schemas.microsoft.com/office/drawing/2014/main" id="{67857C5A-1233-9662-326C-30CF2E8AD57D}"/>
               </a:ext>
             </a:extLst>
           </p:cNvPr>
@@ -2286,7 +2286,7 @@
           <p:cNvPr id="4" name="文本占位符 3">
             <a:extLst>
               <a:ext uri="{FF2B5EF4-FFF2-40B4-BE49-F238E27FC236}">
-                <a16:creationId xmlns:a16="http://schemas.microsoft.com/office/drawing/2014/main" id="{A2BE11A2-7E28-2EA0-4127-A121A9F624FC}"/>
+                <a16:creationId xmlns:a16="http://schemas.microsoft.com/office/drawing/2014/main" id="{8FE3ECBE-F6A2-A9DF-2D0E-7BBF5F8DEB7F}"/>
               </a:ext>
             </a:extLst>
           </p:cNvPr>
@@ -2357,7 +2357,7 @@
           <p:cNvPr id="5" name="日期占位符 4">
             <a:extLst>
               <a:ext uri="{FF2B5EF4-FFF2-40B4-BE49-F238E27FC236}">
-                <a16:creationId xmlns:a16="http://schemas.microsoft.com/office/drawing/2014/main" id="{8FA85784-4C9B-710B-BB2E-F1EF7D3BA83F}"/>
+                <a16:creationId xmlns:a16="http://schemas.microsoft.com/office/drawing/2014/main" id="{4BC19980-4C96-AB7F-B3B9-5B39FD525224}"/>
               </a:ext>
             </a:extLst>
           </p:cNvPr>
@@ -2373,7 +2373,7 @@
           <a:bodyPr/>
           <a:lstStyle/>
           <a:p>
-            <a:fld id="{F01C4EE1-D6CA-4E2D-8C94-A9040FF4B415}" type="datetimeFigureOut">
+            <a:fld id="{C47F984B-1641-43F3-8365-65C4F17F2848}" type="datetimeFigureOut">
               <a:rPr lang="zh-CN" altLang="en-US" smtClean="0"/>
               <a:t>2024/3/10</a:t>
             </a:fld>
@@ -2386,7 +2386,7 @@
           <p:cNvPr id="6" name="页脚占位符 5">
             <a:extLst>
               <a:ext uri="{FF2B5EF4-FFF2-40B4-BE49-F238E27FC236}">
-                <a16:creationId xmlns:a16="http://schemas.microsoft.com/office/drawing/2014/main" id="{470CDF4F-9A47-5532-239D-DEB9578839DA}"/>
+                <a16:creationId xmlns:a16="http://schemas.microsoft.com/office/drawing/2014/main" id="{78D16F28-9EBB-3CAC-A8C5-F092821C35E6}"/>
               </a:ext>
             </a:extLst>
           </p:cNvPr>
@@ -2411,7 +2411,7 @@
           <p:cNvPr id="7" name="灯片编号占位符 6">
             <a:extLst>
               <a:ext uri="{FF2B5EF4-FFF2-40B4-BE49-F238E27FC236}">
-                <a16:creationId xmlns:a16="http://schemas.microsoft.com/office/drawing/2014/main" id="{A9F3D564-38AE-9A11-373A-37483B535AF9}"/>
+                <a16:creationId xmlns:a16="http://schemas.microsoft.com/office/drawing/2014/main" id="{7CF49A49-A0E4-67E4-136A-0AA14EA7DF2C}"/>
               </a:ext>
             </a:extLst>
           </p:cNvPr>
@@ -2427,7 +2427,7 @@
           <a:bodyPr/>
           <a:lstStyle/>
           <a:p>
-            <a:fld id="{F51A4617-34F4-4473-859B-D07B2824D324}" type="slidenum">
+            <a:fld id="{93123B01-9435-4ECD-B20C-F8A01C9A761F}" type="slidenum">
               <a:rPr lang="zh-CN" altLang="en-US" smtClean="0"/>
               <a:t>‹#›</a:t>
             </a:fld>
@@ -2438,7 +2438,7 @@
     </p:spTree>
     <p:extLst>
       <p:ext uri="{BB962C8B-B14F-4D97-AF65-F5344CB8AC3E}">
-        <p14:creationId xmlns:p14="http://schemas.microsoft.com/office/powerpoint/2010/main" val="1796737684"/>
+        <p14:creationId xmlns:p14="http://schemas.microsoft.com/office/powerpoint/2010/main" val="4176020483"/>
       </p:ext>
     </p:extLst>
   </p:cSld>
@@ -2470,7 +2470,7 @@
           <p:cNvPr id="2" name="标题 1">
             <a:extLst>
               <a:ext uri="{FF2B5EF4-FFF2-40B4-BE49-F238E27FC236}">
-                <a16:creationId xmlns:a16="http://schemas.microsoft.com/office/drawing/2014/main" id="{89803941-4A60-DBD3-7689-2C1BE0461D12}"/>
+                <a16:creationId xmlns:a16="http://schemas.microsoft.com/office/drawing/2014/main" id="{32C7673B-59E2-0FCC-0D60-7EB9DFB92950}"/>
               </a:ext>
             </a:extLst>
           </p:cNvPr>
@@ -2507,7 +2507,7 @@
           <p:cNvPr id="3" name="图片占位符 2">
             <a:extLst>
               <a:ext uri="{FF2B5EF4-FFF2-40B4-BE49-F238E27FC236}">
-                <a16:creationId xmlns:a16="http://schemas.microsoft.com/office/drawing/2014/main" id="{2349A828-B4C9-00D8-F33F-7C42A7755D79}"/>
+                <a16:creationId xmlns:a16="http://schemas.microsoft.com/office/drawing/2014/main" id="{A26D58A5-7E8C-650E-FE46-43F374776965}"/>
               </a:ext>
             </a:extLst>
           </p:cNvPr>
@@ -2574,7 +2574,7 @@
           <p:cNvPr id="4" name="文本占位符 3">
             <a:extLst>
               <a:ext uri="{FF2B5EF4-FFF2-40B4-BE49-F238E27FC236}">
-                <a16:creationId xmlns:a16="http://schemas.microsoft.com/office/drawing/2014/main" id="{92D2865C-F954-F6FD-7EAE-85A0FB26BBC2}"/>
+                <a16:creationId xmlns:a16="http://schemas.microsoft.com/office/drawing/2014/main" id="{209DB1E0-FC89-C6E5-D755-D0F071D0C285}"/>
               </a:ext>
             </a:extLst>
           </p:cNvPr>
@@ -2645,7 +2645,7 @@
           <p:cNvPr id="5" name="日期占位符 4">
             <a:extLst>
               <a:ext uri="{FF2B5EF4-FFF2-40B4-BE49-F238E27FC236}">
-                <a16:creationId xmlns:a16="http://schemas.microsoft.com/office/drawing/2014/main" id="{103D3EB7-2894-4B69-F62C-71324E8830A6}"/>
+                <a16:creationId xmlns:a16="http://schemas.microsoft.com/office/drawing/2014/main" id="{1127AFD2-7F9A-47E1-D055-80EE0038EA85}"/>
               </a:ext>
             </a:extLst>
           </p:cNvPr>
@@ -2661,7 +2661,7 @@
           <a:bodyPr/>
           <a:lstStyle/>
           <a:p>
-            <a:fld id="{F01C4EE1-D6CA-4E2D-8C94-A9040FF4B415}" type="datetimeFigureOut">
+            <a:fld id="{C47F984B-1641-43F3-8365-65C4F17F2848}" type="datetimeFigureOut">
               <a:rPr lang="zh-CN" altLang="en-US" smtClean="0"/>
               <a:t>2024/3/10</a:t>
             </a:fld>
@@ -2674,7 +2674,7 @@
           <p:cNvPr id="6" name="页脚占位符 5">
             <a:extLst>
               <a:ext uri="{FF2B5EF4-FFF2-40B4-BE49-F238E27FC236}">
-                <a16:creationId xmlns:a16="http://schemas.microsoft.com/office/drawing/2014/main" id="{453A7315-96C2-081F-D9A8-3632E2F95ABA}"/>
+                <a16:creationId xmlns:a16="http://schemas.microsoft.com/office/drawing/2014/main" id="{72942309-D574-B5B5-11BF-F01F49E5EDA5}"/>
               </a:ext>
             </a:extLst>
           </p:cNvPr>
@@ -2699,7 +2699,7 @@
           <p:cNvPr id="7" name="灯片编号占位符 6">
             <a:extLst>
               <a:ext uri="{FF2B5EF4-FFF2-40B4-BE49-F238E27FC236}">
-                <a16:creationId xmlns:a16="http://schemas.microsoft.com/office/drawing/2014/main" id="{8E240CA4-4CEE-EE0D-DB13-85F602574A84}"/>
+                <a16:creationId xmlns:a16="http://schemas.microsoft.com/office/drawing/2014/main" id="{0EE6DEFA-158B-B9CD-877E-0B3409E5EE87}"/>
               </a:ext>
             </a:extLst>
           </p:cNvPr>
@@ -2715,7 +2715,7 @@
           <a:bodyPr/>
           <a:lstStyle/>
           <a:p>
-            <a:fld id="{F51A4617-34F4-4473-859B-D07B2824D324}" type="slidenum">
+            <a:fld id="{93123B01-9435-4ECD-B20C-F8A01C9A761F}" type="slidenum">
               <a:rPr lang="zh-CN" altLang="en-US" smtClean="0"/>
               <a:t>‹#›</a:t>
             </a:fld>
@@ -2726,7 +2726,7 @@
     </p:spTree>
     <p:extLst>
       <p:ext uri="{BB962C8B-B14F-4D97-AF65-F5344CB8AC3E}">
-        <p14:creationId xmlns:p14="http://schemas.microsoft.com/office/powerpoint/2010/main" val="3079159480"/>
+        <p14:creationId xmlns:p14="http://schemas.microsoft.com/office/powerpoint/2010/main" val="3709162755"/>
       </p:ext>
     </p:extLst>
   </p:cSld>
@@ -2763,7 +2763,7 @@
           <p:cNvPr id="2" name="标题占位符 1">
             <a:extLst>
               <a:ext uri="{FF2B5EF4-FFF2-40B4-BE49-F238E27FC236}">
-                <a16:creationId xmlns:a16="http://schemas.microsoft.com/office/drawing/2014/main" id="{32AF5197-BBBE-EB91-A185-03085B72E1E3}"/>
+                <a16:creationId xmlns:a16="http://schemas.microsoft.com/office/drawing/2014/main" id="{ED42F988-04E7-163F-33CD-B502588D6293}"/>
               </a:ext>
             </a:extLst>
           </p:cNvPr>
@@ -2801,7 +2801,7 @@
           <p:cNvPr id="3" name="文本占位符 2">
             <a:extLst>
               <a:ext uri="{FF2B5EF4-FFF2-40B4-BE49-F238E27FC236}">
-                <a16:creationId xmlns:a16="http://schemas.microsoft.com/office/drawing/2014/main" id="{5DE89407-9CB1-2826-ED6A-43C75DEBA18C}"/>
+                <a16:creationId xmlns:a16="http://schemas.microsoft.com/office/drawing/2014/main" id="{EF91D944-0174-252A-77B8-D305448275D7}"/>
               </a:ext>
             </a:extLst>
           </p:cNvPr>
@@ -2868,7 +2868,7 @@
           <p:cNvPr id="4" name="日期占位符 3">
             <a:extLst>
               <a:ext uri="{FF2B5EF4-FFF2-40B4-BE49-F238E27FC236}">
-                <a16:creationId xmlns:a16="http://schemas.microsoft.com/office/drawing/2014/main" id="{E1E2305E-232B-14EC-AEA6-02C91FC897B9}"/>
+                <a16:creationId xmlns:a16="http://schemas.microsoft.com/office/drawing/2014/main" id="{3E81E2FD-F8D5-4D4C-20C6-26B859597350}"/>
               </a:ext>
             </a:extLst>
           </p:cNvPr>
@@ -2902,7 +2902,7 @@
             </a:lvl1pPr>
           </a:lstStyle>
           <a:p>
-            <a:fld id="{F01C4EE1-D6CA-4E2D-8C94-A9040FF4B415}" type="datetimeFigureOut">
+            <a:fld id="{C47F984B-1641-43F3-8365-65C4F17F2848}" type="datetimeFigureOut">
               <a:rPr lang="zh-CN" altLang="en-US" smtClean="0"/>
               <a:t>2024/3/10</a:t>
             </a:fld>
@@ -2915,7 +2915,7 @@
           <p:cNvPr id="5" name="页脚占位符 4">
             <a:extLst>
               <a:ext uri="{FF2B5EF4-FFF2-40B4-BE49-F238E27FC236}">
-                <a16:creationId xmlns:a16="http://schemas.microsoft.com/office/drawing/2014/main" id="{CF93F0BA-B80A-35FB-966B-32D6709AC4C0}"/>
+                <a16:creationId xmlns:a16="http://schemas.microsoft.com/office/drawing/2014/main" id="{179E0706-2CA9-8FEC-BA7F-2573CC990085}"/>
               </a:ext>
             </a:extLst>
           </p:cNvPr>
@@ -2958,7 +2958,7 @@
           <p:cNvPr id="6" name="灯片编号占位符 5">
             <a:extLst>
               <a:ext uri="{FF2B5EF4-FFF2-40B4-BE49-F238E27FC236}">
-                <a16:creationId xmlns:a16="http://schemas.microsoft.com/office/drawing/2014/main" id="{3C5C4FF6-60D1-CBC8-6A2E-063B26332A44}"/>
+                <a16:creationId xmlns:a16="http://schemas.microsoft.com/office/drawing/2014/main" id="{D79F6BC2-FA0C-C390-846C-62614F8B2E18}"/>
               </a:ext>
             </a:extLst>
           </p:cNvPr>
@@ -2992,7 +2992,7 @@
             </a:lvl1pPr>
           </a:lstStyle>
           <a:p>
-            <a:fld id="{F51A4617-34F4-4473-859B-D07B2824D324}" type="slidenum">
+            <a:fld id="{93123B01-9435-4ECD-B20C-F8A01C9A761F}" type="slidenum">
               <a:rPr lang="zh-CN" altLang="en-US" smtClean="0"/>
               <a:t>‹#›</a:t>
             </a:fld>
@@ -3003,7 +3003,7 @@
     </p:spTree>
     <p:extLst>
       <p:ext uri="{BB962C8B-B14F-4D97-AF65-F5344CB8AC3E}">
-        <p14:creationId xmlns:p14="http://schemas.microsoft.com/office/powerpoint/2010/main" val="3704016729"/>
+        <p14:creationId xmlns:p14="http://schemas.microsoft.com/office/powerpoint/2010/main" val="107212713"/>
       </p:ext>
     </p:extLst>
   </p:cSld>
